--- a/Docs/RTGI using voxel-based ray-bundles.pptx
+++ b/Docs/RTGI using voxel-based ray-bundles.pptx
@@ -244,7 +244,7 @@
           <a:p>
             <a:fld id="{BF9A19B5-BA6A-4ABF-AE6D-4E42B29C6520}" type="datetimeFigureOut">
               <a:rPr lang="en-US" smtClean="0"/>
-              <a:t>11/19/2014</a:t>
+              <a:t>12/3/2014</a:t>
             </a:fld>
             <a:endParaRPr lang="en-US"/>
           </a:p>
@@ -414,7 +414,7 @@
           <a:p>
             <a:fld id="{BF9A19B5-BA6A-4ABF-AE6D-4E42B29C6520}" type="datetimeFigureOut">
               <a:rPr lang="en-US" smtClean="0"/>
-              <a:t>11/19/2014</a:t>
+              <a:t>12/3/2014</a:t>
             </a:fld>
             <a:endParaRPr lang="en-US"/>
           </a:p>
@@ -594,7 +594,7 @@
           <a:p>
             <a:fld id="{BF9A19B5-BA6A-4ABF-AE6D-4E42B29C6520}" type="datetimeFigureOut">
               <a:rPr lang="en-US" smtClean="0"/>
-              <a:t>11/19/2014</a:t>
+              <a:t>12/3/2014</a:t>
             </a:fld>
             <a:endParaRPr lang="en-US"/>
           </a:p>
@@ -764,7 +764,7 @@
           <a:p>
             <a:fld id="{BF9A19B5-BA6A-4ABF-AE6D-4E42B29C6520}" type="datetimeFigureOut">
               <a:rPr lang="en-US" smtClean="0"/>
-              <a:t>11/19/2014</a:t>
+              <a:t>12/3/2014</a:t>
             </a:fld>
             <a:endParaRPr lang="en-US"/>
           </a:p>
@@ -1010,7 +1010,7 @@
           <a:p>
             <a:fld id="{BF9A19B5-BA6A-4ABF-AE6D-4E42B29C6520}" type="datetimeFigureOut">
               <a:rPr lang="en-US" smtClean="0"/>
-              <a:t>11/19/2014</a:t>
+              <a:t>12/3/2014</a:t>
             </a:fld>
             <a:endParaRPr lang="en-US"/>
           </a:p>
@@ -1242,7 +1242,7 @@
           <a:p>
             <a:fld id="{BF9A19B5-BA6A-4ABF-AE6D-4E42B29C6520}" type="datetimeFigureOut">
               <a:rPr lang="en-US" smtClean="0"/>
-              <a:t>11/19/2014</a:t>
+              <a:t>12/3/2014</a:t>
             </a:fld>
             <a:endParaRPr lang="en-US"/>
           </a:p>
@@ -1609,7 +1609,7 @@
           <a:p>
             <a:fld id="{BF9A19B5-BA6A-4ABF-AE6D-4E42B29C6520}" type="datetimeFigureOut">
               <a:rPr lang="en-US" smtClean="0"/>
-              <a:t>11/19/2014</a:t>
+              <a:t>12/3/2014</a:t>
             </a:fld>
             <a:endParaRPr lang="en-US"/>
           </a:p>
@@ -1727,7 +1727,7 @@
           <a:p>
             <a:fld id="{BF9A19B5-BA6A-4ABF-AE6D-4E42B29C6520}" type="datetimeFigureOut">
               <a:rPr lang="en-US" smtClean="0"/>
-              <a:t>11/19/2014</a:t>
+              <a:t>12/3/2014</a:t>
             </a:fld>
             <a:endParaRPr lang="en-US"/>
           </a:p>
@@ -1822,7 +1822,7 @@
           <a:p>
             <a:fld id="{BF9A19B5-BA6A-4ABF-AE6D-4E42B29C6520}" type="datetimeFigureOut">
               <a:rPr lang="en-US" smtClean="0"/>
-              <a:t>11/19/2014</a:t>
+              <a:t>12/3/2014</a:t>
             </a:fld>
             <a:endParaRPr lang="en-US"/>
           </a:p>
@@ -2099,7 +2099,7 @@
           <a:p>
             <a:fld id="{BF9A19B5-BA6A-4ABF-AE6D-4E42B29C6520}" type="datetimeFigureOut">
               <a:rPr lang="en-US" smtClean="0"/>
-              <a:t>11/19/2014</a:t>
+              <a:t>12/3/2014</a:t>
             </a:fld>
             <a:endParaRPr lang="en-US"/>
           </a:p>
@@ -2352,7 +2352,7 @@
           <a:p>
             <a:fld id="{BF9A19B5-BA6A-4ABF-AE6D-4E42B29C6520}" type="datetimeFigureOut">
               <a:rPr lang="en-US" smtClean="0"/>
-              <a:t>11/19/2014</a:t>
+              <a:t>12/3/2014</a:t>
             </a:fld>
             <a:endParaRPr lang="en-US"/>
           </a:p>
@@ -2565,7 +2565,7 @@
           <a:p>
             <a:fld id="{BF9A19B5-BA6A-4ABF-AE6D-4E42B29C6520}" type="datetimeFigureOut">
               <a:rPr lang="en-US" smtClean="0"/>
-              <a:t>11/19/2014</a:t>
+              <a:t>12/3/2014</a:t>
             </a:fld>
             <a:endParaRPr lang="en-US"/>
           </a:p>
@@ -3058,6 +3058,9 @@
           <a:bodyPr/>
           <a:lstStyle/>
           <a:p>
+            <a:pPr marL="0" indent="0">
+              <a:buNone/>
+            </a:pPr>
             <a:endParaRPr lang="en-US" dirty="0"/>
           </a:p>
         </p:txBody>
@@ -3154,7 +3157,7 @@
         </p:nvSpPr>
         <p:spPr>
           <a:xfrm>
-            <a:off x="8128058" y="478578"/>
+            <a:off x="9106114" y="501808"/>
             <a:ext cx="2286000" cy="342899"/>
           </a:xfrm>
           <a:prstGeom prst="roundRect">
@@ -3280,7 +3283,7 @@
         </p:nvSpPr>
         <p:spPr>
           <a:xfrm>
-            <a:off x="8582002" y="1394756"/>
+            <a:off x="9146982" y="1371654"/>
             <a:ext cx="2116316" cy="374072"/>
           </a:xfrm>
           <a:prstGeom prst="roundRect">
@@ -3322,8 +3325,8 @@
         </p:nvSpPr>
         <p:spPr>
           <a:xfrm>
-            <a:off x="6331743" y="501808"/>
-            <a:ext cx="1714057" cy="342899"/>
+            <a:off x="6509638" y="508934"/>
+            <a:ext cx="2250259" cy="342899"/>
           </a:xfrm>
           <a:prstGeom prst="roundRect">
             <a:avLst/>
@@ -3743,8 +3746,8 @@
         </p:nvSpPr>
         <p:spPr>
           <a:xfrm>
-            <a:off x="7526482" y="846857"/>
-            <a:ext cx="281002" cy="770591"/>
+            <a:off x="7526482" y="896943"/>
+            <a:ext cx="281002" cy="720505"/>
           </a:xfrm>
           <a:prstGeom prst="downArrow">
             <a:avLst/>
@@ -3783,8 +3786,8 @@
         </p:nvSpPr>
         <p:spPr>
           <a:xfrm>
-            <a:off x="9469155" y="836466"/>
-            <a:ext cx="216623" cy="558290"/>
+            <a:off x="9469155" y="863568"/>
+            <a:ext cx="216623" cy="508085"/>
           </a:xfrm>
           <a:prstGeom prst="downArrow">
             <a:avLst/>
@@ -4677,172 +4680,8 @@
         </p:nvSpPr>
         <p:spPr>
           <a:xfrm>
-            <a:off x="10452119" y="1758974"/>
+            <a:off x="10515606" y="1758974"/>
             <a:ext cx="259774" cy="4210528"/>
-          </a:xfrm>
-          <a:prstGeom prst="downArrow">
-            <a:avLst/>
-          </a:prstGeom>
-        </p:spPr>
-        <p:style>
-          <a:lnRef idx="2">
-            <a:schemeClr val="accent5">
-              <a:shade val="50000"/>
-            </a:schemeClr>
-          </a:lnRef>
-          <a:fillRef idx="1">
-            <a:schemeClr val="accent5"/>
-          </a:fillRef>
-          <a:effectRef idx="0">
-            <a:schemeClr val="accent5"/>
-          </a:effectRef>
-          <a:fontRef idx="minor">
-            <a:schemeClr val="lt1"/>
-          </a:fontRef>
-        </p:style>
-        <p:txBody>
-          <a:bodyPr rtlCol="0" anchor="ctr"/>
-          <a:lstStyle/>
-          <a:p>
-            <a:pPr algn="ctr"/>
-            <a:endParaRPr lang="en-US"/>
-          </a:p>
-        </p:txBody>
-      </p:sp>
-      <p:sp>
-        <p:nvSpPr>
-          <p:cNvPr id="45" name="Rounded Rectangle 44"/>
-          <p:cNvSpPr/>
-          <p:nvPr/>
-        </p:nvSpPr>
-        <p:spPr>
-          <a:xfrm>
-            <a:off x="10496316" y="479247"/>
-            <a:ext cx="1572103" cy="521355"/>
-          </a:xfrm>
-          <a:prstGeom prst="roundRect">
-            <a:avLst/>
-          </a:prstGeom>
-        </p:spPr>
-        <p:style>
-          <a:lnRef idx="0">
-            <a:schemeClr val="accent3"/>
-          </a:lnRef>
-          <a:fillRef idx="3">
-            <a:schemeClr val="accent3"/>
-          </a:fillRef>
-          <a:effectRef idx="3">
-            <a:schemeClr val="accent3"/>
-          </a:effectRef>
-          <a:fontRef idx="minor">
-            <a:schemeClr val="lt1"/>
-          </a:fontRef>
-        </p:style>
-        <p:txBody>
-          <a:bodyPr rtlCol="0" anchor="ctr"/>
-          <a:lstStyle/>
-          <a:p>
-            <a:pPr algn="ctr"/>
-            <a:r>
-              <a:rPr lang="en-US" dirty="0" smtClean="0"/>
-              <a:t>Create Caustic Maps</a:t>
-            </a:r>
-            <a:endParaRPr lang="en-US" dirty="0"/>
-          </a:p>
-        </p:txBody>
-      </p:sp>
-      <p:sp>
-        <p:nvSpPr>
-          <p:cNvPr id="46" name="Rounded Rectangle 45"/>
-          <p:cNvSpPr/>
-          <p:nvPr/>
-        </p:nvSpPr>
-        <p:spPr>
-          <a:xfrm>
-            <a:off x="10805999" y="1613315"/>
-            <a:ext cx="1148866" cy="654638"/>
-          </a:xfrm>
-          <a:prstGeom prst="roundRect">
-            <a:avLst/>
-          </a:prstGeom>
-        </p:spPr>
-        <p:style>
-          <a:lnRef idx="0">
-            <a:schemeClr val="accent1"/>
-          </a:lnRef>
-          <a:fillRef idx="3">
-            <a:schemeClr val="accent1"/>
-          </a:fillRef>
-          <a:effectRef idx="3">
-            <a:schemeClr val="accent1"/>
-          </a:effectRef>
-          <a:fontRef idx="minor">
-            <a:schemeClr val="lt1"/>
-          </a:fontRef>
-        </p:style>
-        <p:txBody>
-          <a:bodyPr rtlCol="0" anchor="ctr"/>
-          <a:lstStyle/>
-          <a:p>
-            <a:pPr algn="ctr"/>
-            <a:r>
-              <a:rPr lang="en-US" dirty="0" smtClean="0"/>
-              <a:t>Caustic Maps</a:t>
-            </a:r>
-            <a:endParaRPr lang="en-US" dirty="0"/>
-          </a:p>
-        </p:txBody>
-      </p:sp>
-      <p:sp>
-        <p:nvSpPr>
-          <p:cNvPr id="47" name="Down Arrow 46"/>
-          <p:cNvSpPr/>
-          <p:nvPr/>
-        </p:nvSpPr>
-        <p:spPr>
-          <a:xfrm>
-            <a:off x="11266506" y="1011113"/>
-            <a:ext cx="208961" cy="602202"/>
-          </a:xfrm>
-          <a:prstGeom prst="downArrow">
-            <a:avLst/>
-          </a:prstGeom>
-        </p:spPr>
-        <p:style>
-          <a:lnRef idx="2">
-            <a:schemeClr val="accent5">
-              <a:shade val="50000"/>
-            </a:schemeClr>
-          </a:lnRef>
-          <a:fillRef idx="1">
-            <a:schemeClr val="accent5"/>
-          </a:fillRef>
-          <a:effectRef idx="0">
-            <a:schemeClr val="accent5"/>
-          </a:effectRef>
-          <a:fontRef idx="minor">
-            <a:schemeClr val="lt1"/>
-          </a:fontRef>
-        </p:style>
-        <p:txBody>
-          <a:bodyPr rtlCol="0" anchor="ctr"/>
-          <a:lstStyle/>
-          <a:p>
-            <a:pPr algn="ctr"/>
-            <a:endParaRPr lang="en-US"/>
-          </a:p>
-        </p:txBody>
-      </p:sp>
-      <p:sp>
-        <p:nvSpPr>
-          <p:cNvPr id="48" name="Down Arrow 47"/>
-          <p:cNvSpPr/>
-          <p:nvPr/>
-        </p:nvSpPr>
-        <p:spPr>
-          <a:xfrm>
-            <a:off x="11273283" y="2252134"/>
-            <a:ext cx="263677" cy="3717368"/>
           </a:xfrm>
           <a:prstGeom prst="downArrow">
             <a:avLst/>

--- a/Docs/RTGI using voxel-based ray-bundles.pptx
+++ b/Docs/RTGI using voxel-based ray-bundles.pptx
@@ -244,7 +244,7 @@
           <a:p>
             <a:fld id="{BF9A19B5-BA6A-4ABF-AE6D-4E42B29C6520}" type="datetimeFigureOut">
               <a:rPr lang="en-US" smtClean="0"/>
-              <a:t>12/3/2014</a:t>
+              <a:t>12/7/2014</a:t>
             </a:fld>
             <a:endParaRPr lang="en-US"/>
           </a:p>
@@ -414,7 +414,7 @@
           <a:p>
             <a:fld id="{BF9A19B5-BA6A-4ABF-AE6D-4E42B29C6520}" type="datetimeFigureOut">
               <a:rPr lang="en-US" smtClean="0"/>
-              <a:t>12/3/2014</a:t>
+              <a:t>12/7/2014</a:t>
             </a:fld>
             <a:endParaRPr lang="en-US"/>
           </a:p>
@@ -594,7 +594,7 @@
           <a:p>
             <a:fld id="{BF9A19B5-BA6A-4ABF-AE6D-4E42B29C6520}" type="datetimeFigureOut">
               <a:rPr lang="en-US" smtClean="0"/>
-              <a:t>12/3/2014</a:t>
+              <a:t>12/7/2014</a:t>
             </a:fld>
             <a:endParaRPr lang="en-US"/>
           </a:p>
@@ -764,7 +764,7 @@
           <a:p>
             <a:fld id="{BF9A19B5-BA6A-4ABF-AE6D-4E42B29C6520}" type="datetimeFigureOut">
               <a:rPr lang="en-US" smtClean="0"/>
-              <a:t>12/3/2014</a:t>
+              <a:t>12/7/2014</a:t>
             </a:fld>
             <a:endParaRPr lang="en-US"/>
           </a:p>
@@ -1010,7 +1010,7 @@
           <a:p>
             <a:fld id="{BF9A19B5-BA6A-4ABF-AE6D-4E42B29C6520}" type="datetimeFigureOut">
               <a:rPr lang="en-US" smtClean="0"/>
-              <a:t>12/3/2014</a:t>
+              <a:t>12/7/2014</a:t>
             </a:fld>
             <a:endParaRPr lang="en-US"/>
           </a:p>
@@ -1242,7 +1242,7 @@
           <a:p>
             <a:fld id="{BF9A19B5-BA6A-4ABF-AE6D-4E42B29C6520}" type="datetimeFigureOut">
               <a:rPr lang="en-US" smtClean="0"/>
-              <a:t>12/3/2014</a:t>
+              <a:t>12/7/2014</a:t>
             </a:fld>
             <a:endParaRPr lang="en-US"/>
           </a:p>
@@ -1609,7 +1609,7 @@
           <a:p>
             <a:fld id="{BF9A19B5-BA6A-4ABF-AE6D-4E42B29C6520}" type="datetimeFigureOut">
               <a:rPr lang="en-US" smtClean="0"/>
-              <a:t>12/3/2014</a:t>
+              <a:t>12/7/2014</a:t>
             </a:fld>
             <a:endParaRPr lang="en-US"/>
           </a:p>
@@ -1727,7 +1727,7 @@
           <a:p>
             <a:fld id="{BF9A19B5-BA6A-4ABF-AE6D-4E42B29C6520}" type="datetimeFigureOut">
               <a:rPr lang="en-US" smtClean="0"/>
-              <a:t>12/3/2014</a:t>
+              <a:t>12/7/2014</a:t>
             </a:fld>
             <a:endParaRPr lang="en-US"/>
           </a:p>
@@ -1822,7 +1822,7 @@
           <a:p>
             <a:fld id="{BF9A19B5-BA6A-4ABF-AE6D-4E42B29C6520}" type="datetimeFigureOut">
               <a:rPr lang="en-US" smtClean="0"/>
-              <a:t>12/3/2014</a:t>
+              <a:t>12/7/2014</a:t>
             </a:fld>
             <a:endParaRPr lang="en-US"/>
           </a:p>
@@ -2099,7 +2099,7 @@
           <a:p>
             <a:fld id="{BF9A19B5-BA6A-4ABF-AE6D-4E42B29C6520}" type="datetimeFigureOut">
               <a:rPr lang="en-US" smtClean="0"/>
-              <a:t>12/3/2014</a:t>
+              <a:t>12/7/2014</a:t>
             </a:fld>
             <a:endParaRPr lang="en-US"/>
           </a:p>
@@ -2352,7 +2352,7 @@
           <a:p>
             <a:fld id="{BF9A19B5-BA6A-4ABF-AE6D-4E42B29C6520}" type="datetimeFigureOut">
               <a:rPr lang="en-US" smtClean="0"/>
-              <a:t>12/3/2014</a:t>
+              <a:t>12/7/2014</a:t>
             </a:fld>
             <a:endParaRPr lang="en-US"/>
           </a:p>
@@ -2565,7 +2565,7 @@
           <a:p>
             <a:fld id="{BF9A19B5-BA6A-4ABF-AE6D-4E42B29C6520}" type="datetimeFigureOut">
               <a:rPr lang="en-US" smtClean="0"/>
-              <a:t>12/3/2014</a:t>
+              <a:t>12/7/2014</a:t>
             </a:fld>
             <a:endParaRPr lang="en-US"/>
           </a:p>
@@ -3050,12 +3050,14 @@
         </p:nvSpPr>
         <p:spPr>
           <a:xfrm>
-            <a:off x="228599" y="103909"/>
-            <a:ext cx="11887201" cy="6754091"/>
-          </a:xfrm>
-        </p:spPr>
-        <p:txBody>
-          <a:bodyPr/>
+            <a:off x="240224" y="6770607"/>
+            <a:ext cx="11875576" cy="87393"/>
+          </a:xfrm>
+        </p:spPr>
+        <p:txBody>
+          <a:bodyPr>
+            <a:normAutofit fontScale="25000" lnSpcReduction="20000"/>
+          </a:bodyPr>
           <a:lstStyle/>
           <a:p>
             <a:pPr marL="0" indent="0">
@@ -3073,7 +3075,7 @@
         </p:nvSpPr>
         <p:spPr>
           <a:xfrm>
-            <a:off x="234884" y="520670"/>
+            <a:off x="228599" y="257199"/>
             <a:ext cx="3810640" cy="342899"/>
           </a:xfrm>
           <a:prstGeom prst="roundRect">
@@ -3115,7 +3117,7 @@
         </p:nvSpPr>
         <p:spPr>
           <a:xfrm>
-            <a:off x="4122811" y="505406"/>
+            <a:off x="4207959" y="242241"/>
             <a:ext cx="2126674" cy="342900"/>
           </a:xfrm>
           <a:prstGeom prst="roundRect">
@@ -3157,7 +3159,7 @@
         </p:nvSpPr>
         <p:spPr>
           <a:xfrm>
-            <a:off x="9106114" y="501808"/>
+            <a:off x="8983014" y="242242"/>
             <a:ext cx="2286000" cy="342899"/>
           </a:xfrm>
           <a:prstGeom prst="roundRect">
@@ -3199,7 +3201,7 @@
         </p:nvSpPr>
         <p:spPr>
           <a:xfrm>
-            <a:off x="492707" y="1123173"/>
+            <a:off x="486422" y="859702"/>
             <a:ext cx="1891146" cy="332509"/>
           </a:xfrm>
           <a:prstGeom prst="roundRect">
@@ -3241,7 +3243,7 @@
         </p:nvSpPr>
         <p:spPr>
           <a:xfrm>
-            <a:off x="4677641" y="1132611"/>
+            <a:off x="4671356" y="869140"/>
             <a:ext cx="1298864" cy="374072"/>
           </a:xfrm>
           <a:prstGeom prst="roundRect">
@@ -3283,7 +3285,7 @@
         </p:nvSpPr>
         <p:spPr>
           <a:xfrm>
-            <a:off x="9146982" y="1371654"/>
+            <a:off x="9140697" y="1108183"/>
             <a:ext cx="2116316" cy="374072"/>
           </a:xfrm>
           <a:prstGeom prst="roundRect">
@@ -3325,7 +3327,7 @@
         </p:nvSpPr>
         <p:spPr>
           <a:xfrm>
-            <a:off x="6509638" y="508934"/>
+            <a:off x="6503353" y="245463"/>
             <a:ext cx="2250259" cy="342899"/>
           </a:xfrm>
           <a:prstGeom prst="roundRect">
@@ -3371,7 +3373,7 @@
         </p:nvSpPr>
         <p:spPr>
           <a:xfrm>
-            <a:off x="6972739" y="1621147"/>
+            <a:off x="6966454" y="1357676"/>
             <a:ext cx="1392382" cy="374072"/>
           </a:xfrm>
           <a:prstGeom prst="roundRect">
@@ -3413,7 +3415,7 @@
         </p:nvSpPr>
         <p:spPr>
           <a:xfrm>
-            <a:off x="4405745" y="1802824"/>
+            <a:off x="4399460" y="1539353"/>
             <a:ext cx="1870363" cy="332509"/>
           </a:xfrm>
           <a:prstGeom prst="roundRect">
@@ -3455,7 +3457,7 @@
         </p:nvSpPr>
         <p:spPr>
           <a:xfrm>
-            <a:off x="2092034" y="1795684"/>
+            <a:off x="2085749" y="1532213"/>
             <a:ext cx="2171700" cy="332509"/>
           </a:xfrm>
           <a:prstGeom prst="roundRect">
@@ -3497,7 +3499,7 @@
         </p:nvSpPr>
         <p:spPr>
           <a:xfrm>
-            <a:off x="2667870" y="1137698"/>
+            <a:off x="2661585" y="874227"/>
             <a:ext cx="1205345" cy="332509"/>
           </a:xfrm>
           <a:prstGeom prst="roundRect">
@@ -3539,7 +3541,7 @@
         </p:nvSpPr>
         <p:spPr>
           <a:xfrm>
-            <a:off x="2250503" y="3017544"/>
+            <a:off x="2244218" y="2754073"/>
             <a:ext cx="7585363" cy="2304753"/>
           </a:xfrm>
           <a:prstGeom prst="rect">
@@ -3580,7 +3582,7 @@
         </p:nvSpPr>
         <p:spPr>
           <a:xfrm>
-            <a:off x="6392572" y="3234902"/>
+            <a:off x="6386287" y="2971431"/>
             <a:ext cx="2366531" cy="584380"/>
           </a:xfrm>
           <a:prstGeom prst="roundRect">
@@ -3622,7 +3624,7 @@
         </p:nvSpPr>
         <p:spPr>
           <a:xfrm>
-            <a:off x="2390079" y="4789181"/>
+            <a:off x="2383794" y="4525710"/>
             <a:ext cx="7368457" cy="428084"/>
           </a:xfrm>
           <a:prstGeom prst="roundRect">
@@ -3664,7 +3666,7 @@
         </p:nvSpPr>
         <p:spPr>
           <a:xfrm>
-            <a:off x="6261436" y="4098474"/>
+            <a:off x="6255151" y="3835003"/>
             <a:ext cx="2746664" cy="321904"/>
           </a:xfrm>
           <a:prstGeom prst="roundRect">
@@ -3706,7 +3708,7 @@
         </p:nvSpPr>
         <p:spPr>
           <a:xfrm>
-            <a:off x="5195453" y="865706"/>
+            <a:off x="5189168" y="602235"/>
             <a:ext cx="218209" cy="264971"/>
           </a:xfrm>
           <a:prstGeom prst="downArrow">
@@ -3746,8 +3748,8 @@
         </p:nvSpPr>
         <p:spPr>
           <a:xfrm>
-            <a:off x="7526482" y="896943"/>
-            <a:ext cx="281002" cy="720505"/>
+            <a:off x="7520197" y="607762"/>
+            <a:ext cx="281002" cy="746216"/>
           </a:xfrm>
           <a:prstGeom prst="downArrow">
             <a:avLst/>
@@ -3786,7 +3788,7 @@
         </p:nvSpPr>
         <p:spPr>
           <a:xfrm>
-            <a:off x="9469155" y="863568"/>
+            <a:off x="10017702" y="600098"/>
             <a:ext cx="216623" cy="508085"/>
           </a:xfrm>
           <a:prstGeom prst="downArrow">
@@ -3826,7 +3828,7 @@
         </p:nvSpPr>
         <p:spPr>
           <a:xfrm>
-            <a:off x="1579417" y="875960"/>
+            <a:off x="1573132" y="612489"/>
             <a:ext cx="187037" cy="238549"/>
           </a:xfrm>
           <a:prstGeom prst="downArrow">
@@ -3866,7 +3868,7 @@
         </p:nvSpPr>
         <p:spPr>
           <a:xfrm>
-            <a:off x="3114993" y="875960"/>
+            <a:off x="3108708" y="612489"/>
             <a:ext cx="201438" cy="245307"/>
           </a:xfrm>
           <a:prstGeom prst="downArrow">
@@ -3906,7 +3908,7 @@
         </p:nvSpPr>
         <p:spPr>
           <a:xfrm>
-            <a:off x="5217968" y="1518425"/>
+            <a:off x="5211683" y="1254954"/>
             <a:ext cx="218209" cy="264970"/>
           </a:xfrm>
           <a:prstGeom prst="downArrow">
@@ -3946,7 +3948,7 @@
         </p:nvSpPr>
         <p:spPr>
           <a:xfrm>
-            <a:off x="3091299" y="1464907"/>
+            <a:off x="3085014" y="1201436"/>
             <a:ext cx="231200" cy="327857"/>
           </a:xfrm>
           <a:prstGeom prst="downArrow">
@@ -3986,7 +3988,7 @@
         </p:nvSpPr>
         <p:spPr>
           <a:xfrm rot="5400000">
-            <a:off x="4364679" y="1618276"/>
+            <a:off x="4358394" y="1354805"/>
             <a:ext cx="826811" cy="3200402"/>
           </a:xfrm>
           <a:prstGeom prst="bentUpArrow">
@@ -4030,7 +4032,7 @@
         </p:nvSpPr>
         <p:spPr>
           <a:xfrm>
-            <a:off x="7533848" y="2008460"/>
+            <a:off x="7527563" y="1744989"/>
             <a:ext cx="270164" cy="1203927"/>
           </a:xfrm>
           <a:prstGeom prst="downArrow">
@@ -4070,7 +4072,7 @@
         </p:nvSpPr>
         <p:spPr>
           <a:xfrm>
-            <a:off x="7533848" y="3819282"/>
+            <a:off x="7527563" y="3555811"/>
             <a:ext cx="270164" cy="268299"/>
           </a:xfrm>
           <a:prstGeom prst="downArrow">
@@ -4110,7 +4112,7 @@
         </p:nvSpPr>
         <p:spPr>
           <a:xfrm>
-            <a:off x="4536931" y="2516103"/>
+            <a:off x="4530646" y="2252632"/>
             <a:ext cx="1696315" cy="311727"/>
           </a:xfrm>
           <a:prstGeom prst="roundRect">
@@ -4152,7 +4154,7 @@
         </p:nvSpPr>
         <p:spPr>
           <a:xfrm>
-            <a:off x="2334490" y="2461915"/>
+            <a:off x="2328205" y="2198444"/>
             <a:ext cx="1711034" cy="342900"/>
           </a:xfrm>
           <a:prstGeom prst="roundRect">
@@ -4194,7 +4196,7 @@
         </p:nvSpPr>
         <p:spPr>
           <a:xfrm>
-            <a:off x="3092836" y="2133520"/>
+            <a:off x="3086551" y="1870049"/>
             <a:ext cx="229663" cy="305559"/>
           </a:xfrm>
           <a:prstGeom prst="downArrow">
@@ -4234,7 +4236,7 @@
         </p:nvSpPr>
         <p:spPr>
           <a:xfrm>
-            <a:off x="5216671" y="2136195"/>
+            <a:off x="5210386" y="1872724"/>
             <a:ext cx="219506" cy="379908"/>
           </a:xfrm>
           <a:prstGeom prst="downArrow">
@@ -4274,7 +4276,7 @@
         </p:nvSpPr>
         <p:spPr>
           <a:xfrm>
-            <a:off x="5195453" y="2841490"/>
+            <a:off x="5189168" y="2578019"/>
             <a:ext cx="290945" cy="1923282"/>
           </a:xfrm>
           <a:prstGeom prst="downArrow">
@@ -4314,7 +4316,7 @@
         </p:nvSpPr>
         <p:spPr>
           <a:xfrm>
-            <a:off x="7533848" y="4411676"/>
+            <a:off x="7527563" y="4148205"/>
             <a:ext cx="270164" cy="332395"/>
           </a:xfrm>
           <a:prstGeom prst="downArrow">
@@ -4354,7 +4356,7 @@
         </p:nvSpPr>
         <p:spPr>
           <a:xfrm>
-            <a:off x="9426005" y="1768829"/>
+            <a:off x="9419720" y="1505358"/>
             <a:ext cx="259773" cy="2975242"/>
           </a:xfrm>
           <a:prstGeom prst="downArrow">
@@ -4394,7 +4396,7 @@
         </p:nvSpPr>
         <p:spPr>
           <a:xfrm>
-            <a:off x="4029940" y="5483010"/>
+            <a:off x="4023655" y="5219539"/>
             <a:ext cx="4679374" cy="317420"/>
           </a:xfrm>
           <a:prstGeom prst="roundRect">
@@ -4436,8 +4438,8 @@
         </p:nvSpPr>
         <p:spPr>
           <a:xfrm>
-            <a:off x="945572" y="5988901"/>
-            <a:ext cx="10848110" cy="322118"/>
+            <a:off x="1458305" y="5725430"/>
+            <a:ext cx="9446217" cy="322118"/>
           </a:xfrm>
           <a:prstGeom prst="roundRect">
             <a:avLst/>
@@ -4478,7 +4480,7 @@
         </p:nvSpPr>
         <p:spPr>
           <a:xfrm>
-            <a:off x="4827547" y="6511303"/>
+            <a:off x="4821262" y="6247832"/>
             <a:ext cx="2888673" cy="289825"/>
           </a:xfrm>
           <a:prstGeom prst="roundRect">
@@ -4520,7 +4522,7 @@
         </p:nvSpPr>
         <p:spPr>
           <a:xfrm>
-            <a:off x="1579418" y="1455681"/>
+            <a:off x="1573133" y="1192210"/>
             <a:ext cx="259773" cy="4513821"/>
           </a:xfrm>
           <a:prstGeom prst="downArrow">
@@ -4560,7 +4562,7 @@
         </p:nvSpPr>
         <p:spPr>
           <a:xfrm>
-            <a:off x="6133016" y="5217265"/>
+            <a:off x="6126731" y="4953794"/>
             <a:ext cx="277736" cy="273832"/>
           </a:xfrm>
           <a:prstGeom prst="downArrow">
@@ -4600,7 +4602,7 @@
         </p:nvSpPr>
         <p:spPr>
           <a:xfrm>
-            <a:off x="6143079" y="5791227"/>
+            <a:off x="6136794" y="5527756"/>
             <a:ext cx="303282" cy="185283"/>
           </a:xfrm>
           <a:prstGeom prst="downArrow">
@@ -4640,7 +4642,7 @@
         </p:nvSpPr>
         <p:spPr>
           <a:xfrm>
-            <a:off x="6153253" y="6330417"/>
+            <a:off x="6146968" y="6066946"/>
             <a:ext cx="282934" cy="169074"/>
           </a:xfrm>
           <a:prstGeom prst="downArrow">
@@ -4680,7 +4682,7 @@
         </p:nvSpPr>
         <p:spPr>
           <a:xfrm>
-            <a:off x="10515606" y="1758974"/>
+            <a:off x="10509321" y="1495503"/>
             <a:ext cx="259774" cy="4210528"/>
           </a:xfrm>
           <a:prstGeom prst="downArrow">
@@ -4720,7 +4722,7 @@
         </p:nvSpPr>
         <p:spPr>
           <a:xfrm>
-            <a:off x="9852642" y="3504948"/>
+            <a:off x="9846357" y="3241477"/>
             <a:ext cx="561416" cy="1303518"/>
           </a:xfrm>
           <a:prstGeom prst="curvedLeftArrow">
@@ -4753,6 +4755,162 @@
                 <a:schemeClr val="tx1"/>
               </a:solidFill>
             </a:endParaRPr>
+          </a:p>
+        </p:txBody>
+      </p:sp>
+      <p:sp>
+        <p:nvSpPr>
+          <p:cNvPr id="2" name="Rounded Rectangle 1"/>
+          <p:cNvSpPr/>
+          <p:nvPr/>
+        </p:nvSpPr>
+        <p:spPr>
+          <a:xfrm>
+            <a:off x="10435632" y="6249142"/>
+            <a:ext cx="147378" cy="123493"/>
+          </a:xfrm>
+          <a:prstGeom prst="roundRect">
+            <a:avLst/>
+          </a:prstGeom>
+          <a:solidFill>
+            <a:schemeClr val="accent3"/>
+          </a:solidFill>
+          <a:ln>
+            <a:solidFill>
+              <a:schemeClr val="accent3"/>
+            </a:solidFill>
+          </a:ln>
+        </p:spPr>
+        <p:style>
+          <a:lnRef idx="2">
+            <a:schemeClr val="accent1">
+              <a:shade val="50000"/>
+            </a:schemeClr>
+          </a:lnRef>
+          <a:fillRef idx="1">
+            <a:schemeClr val="accent1"/>
+          </a:fillRef>
+          <a:effectRef idx="0">
+            <a:schemeClr val="accent1"/>
+          </a:effectRef>
+          <a:fontRef idx="minor">
+            <a:schemeClr val="lt1"/>
+          </a:fontRef>
+        </p:style>
+        <p:txBody>
+          <a:bodyPr rtlCol="0" anchor="ctr"/>
+          <a:lstStyle/>
+          <a:p>
+            <a:pPr algn="ctr"/>
+            <a:endParaRPr lang="en-US"/>
+          </a:p>
+        </p:txBody>
+      </p:sp>
+      <p:sp>
+        <p:nvSpPr>
+          <p:cNvPr id="15" name="TextBox 14"/>
+          <p:cNvSpPr txBox="1"/>
+          <p:nvPr/>
+        </p:nvSpPr>
+        <p:spPr>
+          <a:xfrm>
+            <a:off x="10639208" y="6149012"/>
+            <a:ext cx="1280837" cy="338554"/>
+          </a:xfrm>
+          <a:prstGeom prst="rect">
+            <a:avLst/>
+          </a:prstGeom>
+          <a:noFill/>
+        </p:spPr>
+        <p:txBody>
+          <a:bodyPr wrap="square" rtlCol="0">
+            <a:spAutoFit/>
+          </a:bodyPr>
+          <a:lstStyle/>
+          <a:p>
+            <a:r>
+              <a:rPr lang="en-US" sz="1600" dirty="0" smtClean="0"/>
+              <a:t>Techniques</a:t>
+            </a:r>
+            <a:endParaRPr lang="en-US" sz="1600" dirty="0"/>
+          </a:p>
+        </p:txBody>
+      </p:sp>
+      <p:sp>
+        <p:nvSpPr>
+          <p:cNvPr id="45" name="Rounded Rectangle 44"/>
+          <p:cNvSpPr/>
+          <p:nvPr/>
+        </p:nvSpPr>
+        <p:spPr>
+          <a:xfrm>
+            <a:off x="10435632" y="6537657"/>
+            <a:ext cx="147378" cy="118865"/>
+          </a:xfrm>
+          <a:prstGeom prst="roundRect">
+            <a:avLst/>
+          </a:prstGeom>
+          <a:solidFill>
+            <a:schemeClr val="accent1"/>
+          </a:solidFill>
+          <a:ln>
+            <a:solidFill>
+              <a:schemeClr val="accent1"/>
+            </a:solidFill>
+          </a:ln>
+        </p:spPr>
+        <p:style>
+          <a:lnRef idx="2">
+            <a:schemeClr val="accent1">
+              <a:shade val="50000"/>
+            </a:schemeClr>
+          </a:lnRef>
+          <a:fillRef idx="1">
+            <a:schemeClr val="accent1"/>
+          </a:fillRef>
+          <a:effectRef idx="0">
+            <a:schemeClr val="accent1"/>
+          </a:effectRef>
+          <a:fontRef idx="minor">
+            <a:schemeClr val="lt1"/>
+          </a:fontRef>
+        </p:style>
+        <p:txBody>
+          <a:bodyPr rtlCol="0" anchor="ctr"/>
+          <a:lstStyle/>
+          <a:p>
+            <a:pPr algn="ctr"/>
+            <a:endParaRPr lang="en-US"/>
+          </a:p>
+        </p:txBody>
+      </p:sp>
+      <p:sp>
+        <p:nvSpPr>
+          <p:cNvPr id="46" name="TextBox 45"/>
+          <p:cNvSpPr txBox="1"/>
+          <p:nvPr/>
+        </p:nvSpPr>
+        <p:spPr>
+          <a:xfrm>
+            <a:off x="10639208" y="6400901"/>
+            <a:ext cx="873131" cy="338554"/>
+          </a:xfrm>
+          <a:prstGeom prst="rect">
+            <a:avLst/>
+          </a:prstGeom>
+          <a:noFill/>
+        </p:spPr>
+        <p:txBody>
+          <a:bodyPr wrap="square" rtlCol="0">
+            <a:spAutoFit/>
+          </a:bodyPr>
+          <a:lstStyle/>
+          <a:p>
+            <a:r>
+              <a:rPr lang="en-US" sz="1600" dirty="0" smtClean="0"/>
+              <a:t>Data</a:t>
+            </a:r>
+            <a:endParaRPr lang="en-US" sz="1600" dirty="0"/>
           </a:p>
         </p:txBody>
       </p:sp>

--- a/Docs/RTGI using voxel-based ray-bundles.pptx
+++ b/Docs/RTGI using voxel-based ray-bundles.pptx
@@ -244,7 +244,7 @@
           <a:p>
             <a:fld id="{BF9A19B5-BA6A-4ABF-AE6D-4E42B29C6520}" type="datetimeFigureOut">
               <a:rPr lang="en-US" smtClean="0"/>
-              <a:t>12/7/2014</a:t>
+              <a:t>4/2/2015</a:t>
             </a:fld>
             <a:endParaRPr lang="en-US"/>
           </a:p>
@@ -414,7 +414,7 @@
           <a:p>
             <a:fld id="{BF9A19B5-BA6A-4ABF-AE6D-4E42B29C6520}" type="datetimeFigureOut">
               <a:rPr lang="en-US" smtClean="0"/>
-              <a:t>12/7/2014</a:t>
+              <a:t>4/2/2015</a:t>
             </a:fld>
             <a:endParaRPr lang="en-US"/>
           </a:p>
@@ -594,7 +594,7 @@
           <a:p>
             <a:fld id="{BF9A19B5-BA6A-4ABF-AE6D-4E42B29C6520}" type="datetimeFigureOut">
               <a:rPr lang="en-US" smtClean="0"/>
-              <a:t>12/7/2014</a:t>
+              <a:t>4/2/2015</a:t>
             </a:fld>
             <a:endParaRPr lang="en-US"/>
           </a:p>
@@ -764,7 +764,7 @@
           <a:p>
             <a:fld id="{BF9A19B5-BA6A-4ABF-AE6D-4E42B29C6520}" type="datetimeFigureOut">
               <a:rPr lang="en-US" smtClean="0"/>
-              <a:t>12/7/2014</a:t>
+              <a:t>4/2/2015</a:t>
             </a:fld>
             <a:endParaRPr lang="en-US"/>
           </a:p>
@@ -1010,7 +1010,7 @@
           <a:p>
             <a:fld id="{BF9A19B5-BA6A-4ABF-AE6D-4E42B29C6520}" type="datetimeFigureOut">
               <a:rPr lang="en-US" smtClean="0"/>
-              <a:t>12/7/2014</a:t>
+              <a:t>4/2/2015</a:t>
             </a:fld>
             <a:endParaRPr lang="en-US"/>
           </a:p>
@@ -1242,7 +1242,7 @@
           <a:p>
             <a:fld id="{BF9A19B5-BA6A-4ABF-AE6D-4E42B29C6520}" type="datetimeFigureOut">
               <a:rPr lang="en-US" smtClean="0"/>
-              <a:t>12/7/2014</a:t>
+              <a:t>4/2/2015</a:t>
             </a:fld>
             <a:endParaRPr lang="en-US"/>
           </a:p>
@@ -1609,7 +1609,7 @@
           <a:p>
             <a:fld id="{BF9A19B5-BA6A-4ABF-AE6D-4E42B29C6520}" type="datetimeFigureOut">
               <a:rPr lang="en-US" smtClean="0"/>
-              <a:t>12/7/2014</a:t>
+              <a:t>4/2/2015</a:t>
             </a:fld>
             <a:endParaRPr lang="en-US"/>
           </a:p>
@@ -1727,7 +1727,7 @@
           <a:p>
             <a:fld id="{BF9A19B5-BA6A-4ABF-AE6D-4E42B29C6520}" type="datetimeFigureOut">
               <a:rPr lang="en-US" smtClean="0"/>
-              <a:t>12/7/2014</a:t>
+              <a:t>4/2/2015</a:t>
             </a:fld>
             <a:endParaRPr lang="en-US"/>
           </a:p>
@@ -1822,7 +1822,7 @@
           <a:p>
             <a:fld id="{BF9A19B5-BA6A-4ABF-AE6D-4E42B29C6520}" type="datetimeFigureOut">
               <a:rPr lang="en-US" smtClean="0"/>
-              <a:t>12/7/2014</a:t>
+              <a:t>4/2/2015</a:t>
             </a:fld>
             <a:endParaRPr lang="en-US"/>
           </a:p>
@@ -2099,7 +2099,7 @@
           <a:p>
             <a:fld id="{BF9A19B5-BA6A-4ABF-AE6D-4E42B29C6520}" type="datetimeFigureOut">
               <a:rPr lang="en-US" smtClean="0"/>
-              <a:t>12/7/2014</a:t>
+              <a:t>4/2/2015</a:t>
             </a:fld>
             <a:endParaRPr lang="en-US"/>
           </a:p>
@@ -2352,7 +2352,7 @@
           <a:p>
             <a:fld id="{BF9A19B5-BA6A-4ABF-AE6D-4E42B29C6520}" type="datetimeFigureOut">
               <a:rPr lang="en-US" smtClean="0"/>
-              <a:t>12/7/2014</a:t>
+              <a:t>4/2/2015</a:t>
             </a:fld>
             <a:endParaRPr lang="en-US"/>
           </a:p>
@@ -2565,7 +2565,7 @@
           <a:p>
             <a:fld id="{BF9A19B5-BA6A-4ABF-AE6D-4E42B29C6520}" type="datetimeFigureOut">
               <a:rPr lang="en-US" smtClean="0"/>
-              <a:t>12/7/2014</a:t>
+              <a:t>4/2/2015</a:t>
             </a:fld>
             <a:endParaRPr lang="en-US"/>
           </a:p>
@@ -3285,8 +3285,8 @@
         </p:nvSpPr>
         <p:spPr>
           <a:xfrm>
-            <a:off x="9140697" y="1108183"/>
-            <a:ext cx="2116316" cy="374072"/>
+            <a:off x="9045430" y="1100734"/>
+            <a:ext cx="1763825" cy="374072"/>
           </a:xfrm>
           <a:prstGeom prst="roundRect">
             <a:avLst/>
@@ -3327,7 +3327,7 @@
         </p:nvSpPr>
         <p:spPr>
           <a:xfrm>
-            <a:off x="6503353" y="245463"/>
+            <a:off x="6533694" y="244041"/>
             <a:ext cx="2250259" cy="342899"/>
           </a:xfrm>
           <a:prstGeom prst="roundRect">
@@ -3373,8 +3373,8 @@
         </p:nvSpPr>
         <p:spPr>
           <a:xfrm>
-            <a:off x="6966454" y="1357676"/>
-            <a:ext cx="1392382" cy="374072"/>
+            <a:off x="6871681" y="1260568"/>
+            <a:ext cx="1659123" cy="540332"/>
           </a:xfrm>
           <a:prstGeom prst="roundRect">
             <a:avLst/>
@@ -3401,7 +3401,15 @@
             <a:pPr algn="ctr"/>
             <a:r>
               <a:rPr lang="en-US" dirty="0" smtClean="0"/>
-              <a:t>Voxel Grid</a:t>
+              <a:t>Voxel </a:t>
+            </a:r>
+            <a:r>
+              <a:rPr lang="en-US" dirty="0" err="1" smtClean="0"/>
+              <a:t>Frgament</a:t>
+            </a:r>
+            <a:r>
+              <a:rPr lang="en-US" dirty="0" smtClean="0"/>
+              <a:t> List</a:t>
             </a:r>
             <a:endParaRPr lang="en-US" dirty="0"/>
           </a:p>
@@ -3535,55 +3543,14 @@
       </p:sp>
       <p:sp>
         <p:nvSpPr>
-          <p:cNvPr id="16" name="Rectangle 15"/>
-          <p:cNvSpPr/>
-          <p:nvPr/>
-        </p:nvSpPr>
-        <p:spPr>
-          <a:xfrm>
-            <a:off x="2244218" y="2754073"/>
-            <a:ext cx="7585363" cy="2304753"/>
-          </a:xfrm>
-          <a:prstGeom prst="rect">
-            <a:avLst/>
-          </a:prstGeom>
-        </p:spPr>
-        <p:style>
-          <a:lnRef idx="0">
-            <a:schemeClr val="accent2"/>
-          </a:lnRef>
-          <a:fillRef idx="3">
-            <a:schemeClr val="accent2"/>
-          </a:fillRef>
-          <a:effectRef idx="3">
-            <a:schemeClr val="accent2"/>
-          </a:effectRef>
-          <a:fontRef idx="minor">
-            <a:schemeClr val="lt1"/>
-          </a:fontRef>
-        </p:style>
-        <p:txBody>
-          <a:bodyPr rtlCol="0" anchor="ctr"/>
-          <a:lstStyle/>
-          <a:p>
-            <a:r>
-              <a:rPr lang="en-US" sz="3200" dirty="0" smtClean="0"/>
-              <a:t>      Iteration</a:t>
-            </a:r>
-            <a:endParaRPr lang="en-US" sz="3200" dirty="0"/>
-          </a:p>
-        </p:txBody>
-      </p:sp>
-      <p:sp>
-        <p:nvSpPr>
           <p:cNvPr id="17" name="Rounded Rectangle 16"/>
           <p:cNvSpPr/>
           <p:nvPr/>
         </p:nvSpPr>
         <p:spPr>
           <a:xfrm>
-            <a:off x="6386287" y="2971431"/>
-            <a:ext cx="2366531" cy="584380"/>
+            <a:off x="6452385" y="2644724"/>
+            <a:ext cx="2615528" cy="382786"/>
           </a:xfrm>
           <a:prstGeom prst="roundRect">
             <a:avLst/>
@@ -3610,7 +3577,7 @@
             <a:pPr algn="ctr"/>
             <a:r>
               <a:rPr lang="en-US" dirty="0" smtClean="0"/>
-              <a:t>Create voxel-based Ray-bundle</a:t>
+              <a:t>Build Sparse Voxel Octree</a:t>
             </a:r>
             <a:endParaRPr lang="en-US" dirty="0"/>
           </a:p>
@@ -3624,8 +3591,8 @@
         </p:nvSpPr>
         <p:spPr>
           <a:xfrm>
-            <a:off x="2383794" y="4525710"/>
-            <a:ext cx="7368457" cy="428084"/>
+            <a:off x="3108707" y="4525710"/>
+            <a:ext cx="5145607" cy="428084"/>
           </a:xfrm>
           <a:prstGeom prst="roundRect">
             <a:avLst/>
@@ -3652,7 +3619,15 @@
             <a:pPr algn="ctr"/>
             <a:r>
               <a:rPr lang="en-US" dirty="0" smtClean="0"/>
-              <a:t>Compute Bidirectional Path Tracing</a:t>
+              <a:t>Instant </a:t>
+            </a:r>
+            <a:r>
+              <a:rPr lang="en-US" dirty="0" err="1" smtClean="0"/>
+              <a:t>Radiosity</a:t>
+            </a:r>
+            <a:r>
+              <a:rPr lang="en-US" dirty="0" smtClean="0"/>
+              <a:t> using Sparse Voxel Octree</a:t>
             </a:r>
             <a:endParaRPr lang="en-US" dirty="0"/>
           </a:p>
@@ -3666,7 +3641,7 @@
         </p:nvSpPr>
         <p:spPr>
           <a:xfrm>
-            <a:off x="6255151" y="3835003"/>
+            <a:off x="6298766" y="3711139"/>
             <a:ext cx="2746664" cy="321904"/>
           </a:xfrm>
           <a:prstGeom prst="roundRect">
@@ -3694,7 +3669,7 @@
             <a:pPr algn="ctr"/>
             <a:r>
               <a:rPr lang="en-US" dirty="0" smtClean="0"/>
-              <a:t>Voxel-based Ray-bundle</a:t>
+              <a:t>Sparse Voxel Octree</a:t>
             </a:r>
             <a:endParaRPr lang="en-US" dirty="0"/>
           </a:p>
@@ -3748,8 +3723,8 @@
         </p:nvSpPr>
         <p:spPr>
           <a:xfrm>
-            <a:off x="7520197" y="607762"/>
-            <a:ext cx="281002" cy="746216"/>
+            <a:off x="7520197" y="607761"/>
+            <a:ext cx="281002" cy="638623"/>
           </a:xfrm>
           <a:prstGeom prst="downArrow">
             <a:avLst/>
@@ -3788,7 +3763,7 @@
         </p:nvSpPr>
         <p:spPr>
           <a:xfrm>
-            <a:off x="10017702" y="600098"/>
+            <a:off x="9827047" y="598817"/>
             <a:ext cx="216623" cy="508085"/>
           </a:xfrm>
           <a:prstGeom prst="downArrow">
@@ -3982,21 +3957,17 @@
       </p:sp>
       <p:sp>
         <p:nvSpPr>
-          <p:cNvPr id="27" name="Bent-Up Arrow 26"/>
+          <p:cNvPr id="28" name="Down Arrow 27"/>
           <p:cNvSpPr/>
           <p:nvPr/>
         </p:nvSpPr>
         <p:spPr>
-          <a:xfrm rot="5400000">
-            <a:off x="4358394" y="1354805"/>
-            <a:ext cx="826811" cy="3200402"/>
-          </a:xfrm>
-          <a:prstGeom prst="bentUpArrow">
-            <a:avLst>
-              <a:gd name="adj1" fmla="val 12079"/>
-              <a:gd name="adj2" fmla="val 12712"/>
-              <a:gd name="adj3" fmla="val 26890"/>
-            </a:avLst>
+          <a:xfrm>
+            <a:off x="7580192" y="3063730"/>
+            <a:ext cx="270164" cy="626287"/>
+          </a:xfrm>
+          <a:prstGeom prst="downArrow">
+            <a:avLst/>
           </a:prstGeom>
         </p:spPr>
         <p:style>
@@ -4026,14 +3997,14 @@
       </p:sp>
       <p:sp>
         <p:nvSpPr>
-          <p:cNvPr id="28" name="Down Arrow 27"/>
+          <p:cNvPr id="29" name="Down Arrow 28"/>
           <p:cNvSpPr/>
           <p:nvPr/>
         </p:nvSpPr>
         <p:spPr>
           <a:xfrm>
-            <a:off x="7527563" y="1744989"/>
-            <a:ext cx="270164" cy="1203927"/>
+            <a:off x="7526183" y="1830130"/>
+            <a:ext cx="270164" cy="778153"/>
           </a:xfrm>
           <a:prstGeom prst="downArrow">
             <a:avLst/>
@@ -4066,14 +4037,98 @@
       </p:sp>
       <p:sp>
         <p:nvSpPr>
-          <p:cNvPr id="29" name="Down Arrow 28"/>
+          <p:cNvPr id="30" name="Rounded Rectangle 29"/>
           <p:cNvSpPr/>
           <p:nvPr/>
         </p:nvSpPr>
         <p:spPr>
           <a:xfrm>
-            <a:off x="7527563" y="3555811"/>
-            <a:ext cx="270164" cy="268299"/>
+            <a:off x="4530646" y="2252632"/>
+            <a:ext cx="1696315" cy="311727"/>
+          </a:xfrm>
+          <a:prstGeom prst="roundRect">
+            <a:avLst/>
+          </a:prstGeom>
+        </p:spPr>
+        <p:style>
+          <a:lnRef idx="0">
+            <a:schemeClr val="accent1"/>
+          </a:lnRef>
+          <a:fillRef idx="3">
+            <a:schemeClr val="accent1"/>
+          </a:fillRef>
+          <a:effectRef idx="3">
+            <a:schemeClr val="accent1"/>
+          </a:effectRef>
+          <a:fontRef idx="minor">
+            <a:schemeClr val="lt1"/>
+          </a:fontRef>
+        </p:style>
+        <p:txBody>
+          <a:bodyPr rtlCol="0" anchor="ctr"/>
+          <a:lstStyle/>
+          <a:p>
+            <a:pPr algn="ctr"/>
+            <a:r>
+              <a:rPr lang="en-US" dirty="0" smtClean="0"/>
+              <a:t>VPLs</a:t>
+            </a:r>
+            <a:endParaRPr lang="en-US" dirty="0"/>
+          </a:p>
+        </p:txBody>
+      </p:sp>
+      <p:sp>
+        <p:nvSpPr>
+          <p:cNvPr id="31" name="Rounded Rectangle 30"/>
+          <p:cNvSpPr/>
+          <p:nvPr/>
+        </p:nvSpPr>
+        <p:spPr>
+          <a:xfrm>
+            <a:off x="2328205" y="2198444"/>
+            <a:ext cx="1711034" cy="342900"/>
+          </a:xfrm>
+          <a:prstGeom prst="roundRect">
+            <a:avLst/>
+          </a:prstGeom>
+        </p:spPr>
+        <p:style>
+          <a:lnRef idx="0">
+            <a:schemeClr val="accent1"/>
+          </a:lnRef>
+          <a:fillRef idx="3">
+            <a:schemeClr val="accent1"/>
+          </a:fillRef>
+          <a:effectRef idx="3">
+            <a:schemeClr val="accent1"/>
+          </a:effectRef>
+          <a:fontRef idx="minor">
+            <a:schemeClr val="lt1"/>
+          </a:fontRef>
+        </p:style>
+        <p:txBody>
+          <a:bodyPr rtlCol="0" anchor="ctr"/>
+          <a:lstStyle/>
+          <a:p>
+            <a:pPr algn="ctr"/>
+            <a:r>
+              <a:rPr lang="en-US" dirty="0" smtClean="0"/>
+              <a:t>Scene BV</a:t>
+            </a:r>
+            <a:endParaRPr lang="en-US" dirty="0"/>
+          </a:p>
+        </p:txBody>
+      </p:sp>
+      <p:sp>
+        <p:nvSpPr>
+          <p:cNvPr id="32" name="Down Arrow 31"/>
+          <p:cNvSpPr/>
+          <p:nvPr/>
+        </p:nvSpPr>
+        <p:spPr>
+          <a:xfrm>
+            <a:off x="3086551" y="1870049"/>
+            <a:ext cx="229663" cy="305559"/>
           </a:xfrm>
           <a:prstGeom prst="downArrow">
             <a:avLst/>
@@ -4106,98 +4161,14 @@
       </p:sp>
       <p:sp>
         <p:nvSpPr>
-          <p:cNvPr id="30" name="Rounded Rectangle 29"/>
+          <p:cNvPr id="33" name="Down Arrow 32"/>
           <p:cNvSpPr/>
           <p:nvPr/>
         </p:nvSpPr>
         <p:spPr>
           <a:xfrm>
-            <a:off x="4530646" y="2252632"/>
-            <a:ext cx="1696315" cy="311727"/>
-          </a:xfrm>
-          <a:prstGeom prst="roundRect">
-            <a:avLst/>
-          </a:prstGeom>
-        </p:spPr>
-        <p:style>
-          <a:lnRef idx="0">
-            <a:schemeClr val="accent1"/>
-          </a:lnRef>
-          <a:fillRef idx="3">
-            <a:schemeClr val="accent1"/>
-          </a:fillRef>
-          <a:effectRef idx="3">
-            <a:schemeClr val="accent1"/>
-          </a:effectRef>
-          <a:fontRef idx="minor">
-            <a:schemeClr val="lt1"/>
-          </a:fontRef>
-        </p:style>
-        <p:txBody>
-          <a:bodyPr rtlCol="0" anchor="ctr"/>
-          <a:lstStyle/>
-          <a:p>
-            <a:pPr algn="ctr"/>
-            <a:r>
-              <a:rPr lang="en-US" dirty="0" smtClean="0"/>
-              <a:t>VPLs</a:t>
-            </a:r>
-            <a:endParaRPr lang="en-US" dirty="0"/>
-          </a:p>
-        </p:txBody>
-      </p:sp>
-      <p:sp>
-        <p:nvSpPr>
-          <p:cNvPr id="31" name="Rounded Rectangle 30"/>
-          <p:cNvSpPr/>
-          <p:nvPr/>
-        </p:nvSpPr>
-        <p:spPr>
-          <a:xfrm>
-            <a:off x="2328205" y="2198444"/>
-            <a:ext cx="1711034" cy="342900"/>
-          </a:xfrm>
-          <a:prstGeom prst="roundRect">
-            <a:avLst/>
-          </a:prstGeom>
-        </p:spPr>
-        <p:style>
-          <a:lnRef idx="0">
-            <a:schemeClr val="accent1"/>
-          </a:lnRef>
-          <a:fillRef idx="3">
-            <a:schemeClr val="accent1"/>
-          </a:fillRef>
-          <a:effectRef idx="3">
-            <a:schemeClr val="accent1"/>
-          </a:effectRef>
-          <a:fontRef idx="minor">
-            <a:schemeClr val="lt1"/>
-          </a:fontRef>
-        </p:style>
-        <p:txBody>
-          <a:bodyPr rtlCol="0" anchor="ctr"/>
-          <a:lstStyle/>
-          <a:p>
-            <a:pPr algn="ctr"/>
-            <a:r>
-              <a:rPr lang="en-US" dirty="0" smtClean="0"/>
-              <a:t>Scene BV</a:t>
-            </a:r>
-            <a:endParaRPr lang="en-US" dirty="0"/>
-          </a:p>
-        </p:txBody>
-      </p:sp>
-      <p:sp>
-        <p:nvSpPr>
-          <p:cNvPr id="32" name="Down Arrow 31"/>
-          <p:cNvSpPr/>
-          <p:nvPr/>
-        </p:nvSpPr>
-        <p:spPr>
-          <a:xfrm>
-            <a:off x="3086551" y="1870049"/>
-            <a:ext cx="229663" cy="305559"/>
+            <a:off x="5210386" y="1872724"/>
+            <a:ext cx="219506" cy="379908"/>
           </a:xfrm>
           <a:prstGeom prst="downArrow">
             <a:avLst/>
@@ -4230,14 +4201,14 @@
       </p:sp>
       <p:sp>
         <p:nvSpPr>
-          <p:cNvPr id="33" name="Down Arrow 32"/>
+          <p:cNvPr id="34" name="Down Arrow 33"/>
           <p:cNvSpPr/>
           <p:nvPr/>
         </p:nvSpPr>
         <p:spPr>
           <a:xfrm>
-            <a:off x="5210386" y="1872724"/>
-            <a:ext cx="219506" cy="379908"/>
+            <a:off x="5189168" y="2578019"/>
+            <a:ext cx="290945" cy="1923282"/>
           </a:xfrm>
           <a:prstGeom prst="downArrow">
             <a:avLst/>
@@ -4270,14 +4241,14 @@
       </p:sp>
       <p:sp>
         <p:nvSpPr>
-          <p:cNvPr id="34" name="Down Arrow 33"/>
+          <p:cNvPr id="35" name="Down Arrow 34"/>
           <p:cNvSpPr/>
           <p:nvPr/>
         </p:nvSpPr>
         <p:spPr>
           <a:xfrm>
-            <a:off x="5189168" y="2578019"/>
-            <a:ext cx="290945" cy="1923282"/>
+            <a:off x="7586009" y="4069484"/>
+            <a:ext cx="270164" cy="426996"/>
           </a:xfrm>
           <a:prstGeom prst="downArrow">
             <a:avLst/>
@@ -4310,14 +4281,140 @@
       </p:sp>
       <p:sp>
         <p:nvSpPr>
-          <p:cNvPr id="35" name="Down Arrow 34"/>
+          <p:cNvPr id="37" name="Rounded Rectangle 36"/>
           <p:cNvSpPr/>
           <p:nvPr/>
         </p:nvSpPr>
         <p:spPr>
           <a:xfrm>
-            <a:off x="7527563" y="4148205"/>
-            <a:ext cx="270164" cy="332395"/>
+            <a:off x="3833917" y="5209024"/>
+            <a:ext cx="3686280" cy="317420"/>
+          </a:xfrm>
+          <a:prstGeom prst="roundRect">
+            <a:avLst/>
+          </a:prstGeom>
+        </p:spPr>
+        <p:style>
+          <a:lnRef idx="0">
+            <a:schemeClr val="accent1"/>
+          </a:lnRef>
+          <a:fillRef idx="3">
+            <a:schemeClr val="accent1"/>
+          </a:fillRef>
+          <a:effectRef idx="3">
+            <a:schemeClr val="accent1"/>
+          </a:effectRef>
+          <a:fontRef idx="minor">
+            <a:schemeClr val="lt1"/>
+          </a:fontRef>
+        </p:style>
+        <p:txBody>
+          <a:bodyPr rtlCol="0" anchor="ctr"/>
+          <a:lstStyle/>
+          <a:p>
+            <a:pPr algn="ctr"/>
+            <a:r>
+              <a:rPr lang="en-US" dirty="0" smtClean="0"/>
+              <a:t>Indirect Illumination Buffer</a:t>
+            </a:r>
+            <a:endParaRPr lang="en-US" dirty="0"/>
+          </a:p>
+        </p:txBody>
+      </p:sp>
+      <p:sp>
+        <p:nvSpPr>
+          <p:cNvPr id="38" name="Rounded Rectangle 37"/>
+          <p:cNvSpPr/>
+          <p:nvPr/>
+        </p:nvSpPr>
+        <p:spPr>
+          <a:xfrm>
+            <a:off x="1458305" y="5725430"/>
+            <a:ext cx="9446217" cy="322118"/>
+          </a:xfrm>
+          <a:prstGeom prst="roundRect">
+            <a:avLst/>
+          </a:prstGeom>
+        </p:spPr>
+        <p:style>
+          <a:lnRef idx="0">
+            <a:schemeClr val="accent3"/>
+          </a:lnRef>
+          <a:fillRef idx="3">
+            <a:schemeClr val="accent3"/>
+          </a:fillRef>
+          <a:effectRef idx="3">
+            <a:schemeClr val="accent3"/>
+          </a:effectRef>
+          <a:fontRef idx="minor">
+            <a:schemeClr val="lt1"/>
+          </a:fontRef>
+        </p:style>
+        <p:txBody>
+          <a:bodyPr rtlCol="0" anchor="ctr"/>
+          <a:lstStyle/>
+          <a:p>
+            <a:pPr algn="ctr"/>
+            <a:r>
+              <a:rPr lang="en-US" dirty="0" smtClean="0"/>
+              <a:t>Combine Direct and Indirect Illumination and Filtering</a:t>
+            </a:r>
+            <a:endParaRPr lang="en-US" dirty="0"/>
+          </a:p>
+        </p:txBody>
+      </p:sp>
+      <p:sp>
+        <p:nvSpPr>
+          <p:cNvPr id="39" name="Rounded Rectangle 38"/>
+          <p:cNvSpPr/>
+          <p:nvPr/>
+        </p:nvSpPr>
+        <p:spPr>
+          <a:xfrm>
+            <a:off x="4821262" y="6247832"/>
+            <a:ext cx="2888673" cy="289825"/>
+          </a:xfrm>
+          <a:prstGeom prst="roundRect">
+            <a:avLst/>
+          </a:prstGeom>
+        </p:spPr>
+        <p:style>
+          <a:lnRef idx="0">
+            <a:schemeClr val="accent1"/>
+          </a:lnRef>
+          <a:fillRef idx="3">
+            <a:schemeClr val="accent1"/>
+          </a:fillRef>
+          <a:effectRef idx="3">
+            <a:schemeClr val="accent1"/>
+          </a:effectRef>
+          <a:fontRef idx="minor">
+            <a:schemeClr val="lt1"/>
+          </a:fontRef>
+        </p:style>
+        <p:txBody>
+          <a:bodyPr rtlCol="0" anchor="ctr"/>
+          <a:lstStyle/>
+          <a:p>
+            <a:pPr algn="ctr"/>
+            <a:r>
+              <a:rPr lang="en-US" dirty="0" smtClean="0"/>
+              <a:t>Final Image</a:t>
+            </a:r>
+            <a:endParaRPr lang="en-US" dirty="0"/>
+          </a:p>
+        </p:txBody>
+      </p:sp>
+      <p:sp>
+        <p:nvSpPr>
+          <p:cNvPr id="40" name="Down Arrow 39"/>
+          <p:cNvSpPr/>
+          <p:nvPr/>
+        </p:nvSpPr>
+        <p:spPr>
+          <a:xfrm>
+            <a:off x="1573133" y="1192210"/>
+            <a:ext cx="259773" cy="4513821"/>
           </a:xfrm>
           <a:prstGeom prst="downArrow">
             <a:avLst/>
@@ -4350,14 +4447,14 @@
       </p:sp>
       <p:sp>
         <p:nvSpPr>
-          <p:cNvPr id="36" name="Down Arrow 35"/>
+          <p:cNvPr id="41" name="Down Arrow 40"/>
           <p:cNvSpPr/>
           <p:nvPr/>
         </p:nvSpPr>
         <p:spPr>
           <a:xfrm>
-            <a:off x="9419720" y="1505358"/>
-            <a:ext cx="259773" cy="2975242"/>
+            <a:off x="5647568" y="4961489"/>
+            <a:ext cx="277736" cy="225255"/>
           </a:xfrm>
           <a:prstGeom prst="downArrow">
             <a:avLst/>
@@ -4390,140 +4487,14 @@
       </p:sp>
       <p:sp>
         <p:nvSpPr>
-          <p:cNvPr id="37" name="Rounded Rectangle 36"/>
+          <p:cNvPr id="42" name="Down Arrow 41"/>
           <p:cNvSpPr/>
           <p:nvPr/>
         </p:nvSpPr>
         <p:spPr>
           <a:xfrm>
-            <a:off x="4023655" y="5219539"/>
-            <a:ext cx="4679374" cy="317420"/>
-          </a:xfrm>
-          <a:prstGeom prst="roundRect">
-            <a:avLst/>
-          </a:prstGeom>
-        </p:spPr>
-        <p:style>
-          <a:lnRef idx="0">
-            <a:schemeClr val="accent1"/>
-          </a:lnRef>
-          <a:fillRef idx="3">
-            <a:schemeClr val="accent1"/>
-          </a:fillRef>
-          <a:effectRef idx="3">
-            <a:schemeClr val="accent1"/>
-          </a:effectRef>
-          <a:fontRef idx="minor">
-            <a:schemeClr val="lt1"/>
-          </a:fontRef>
-        </p:style>
-        <p:txBody>
-          <a:bodyPr rtlCol="0" anchor="ctr"/>
-          <a:lstStyle/>
-          <a:p>
-            <a:pPr algn="ctr"/>
-            <a:r>
-              <a:rPr lang="en-US" dirty="0" smtClean="0"/>
-              <a:t>Indirect Illumination Buffer</a:t>
-            </a:r>
-            <a:endParaRPr lang="en-US" dirty="0"/>
-          </a:p>
-        </p:txBody>
-      </p:sp>
-      <p:sp>
-        <p:nvSpPr>
-          <p:cNvPr id="38" name="Rounded Rectangle 37"/>
-          <p:cNvSpPr/>
-          <p:nvPr/>
-        </p:nvSpPr>
-        <p:spPr>
-          <a:xfrm>
-            <a:off x="1458305" y="5725430"/>
-            <a:ext cx="9446217" cy="322118"/>
-          </a:xfrm>
-          <a:prstGeom prst="roundRect">
-            <a:avLst/>
-          </a:prstGeom>
-        </p:spPr>
-        <p:style>
-          <a:lnRef idx="0">
-            <a:schemeClr val="accent3"/>
-          </a:lnRef>
-          <a:fillRef idx="3">
-            <a:schemeClr val="accent3"/>
-          </a:fillRef>
-          <a:effectRef idx="3">
-            <a:schemeClr val="accent3"/>
-          </a:effectRef>
-          <a:fontRef idx="minor">
-            <a:schemeClr val="lt1"/>
-          </a:fontRef>
-        </p:style>
-        <p:txBody>
-          <a:bodyPr rtlCol="0" anchor="ctr"/>
-          <a:lstStyle/>
-          <a:p>
-            <a:pPr algn="ctr"/>
-            <a:r>
-              <a:rPr lang="en-US" dirty="0" smtClean="0"/>
-              <a:t>Combine Direct and Indirect Illumination and Filtering</a:t>
-            </a:r>
-            <a:endParaRPr lang="en-US" dirty="0"/>
-          </a:p>
-        </p:txBody>
-      </p:sp>
-      <p:sp>
-        <p:nvSpPr>
-          <p:cNvPr id="39" name="Rounded Rectangle 38"/>
-          <p:cNvSpPr/>
-          <p:nvPr/>
-        </p:nvSpPr>
-        <p:spPr>
-          <a:xfrm>
-            <a:off x="4821262" y="6247832"/>
-            <a:ext cx="2888673" cy="289825"/>
-          </a:xfrm>
-          <a:prstGeom prst="roundRect">
-            <a:avLst/>
-          </a:prstGeom>
-        </p:spPr>
-        <p:style>
-          <a:lnRef idx="0">
-            <a:schemeClr val="accent1"/>
-          </a:lnRef>
-          <a:fillRef idx="3">
-            <a:schemeClr val="accent1"/>
-          </a:fillRef>
-          <a:effectRef idx="3">
-            <a:schemeClr val="accent1"/>
-          </a:effectRef>
-          <a:fontRef idx="minor">
-            <a:schemeClr val="lt1"/>
-          </a:fontRef>
-        </p:style>
-        <p:txBody>
-          <a:bodyPr rtlCol="0" anchor="ctr"/>
-          <a:lstStyle/>
-          <a:p>
-            <a:pPr algn="ctr"/>
-            <a:r>
-              <a:rPr lang="en-US" dirty="0" smtClean="0"/>
-              <a:t>Final Image</a:t>
-            </a:r>
-            <a:endParaRPr lang="en-US" dirty="0"/>
-          </a:p>
-        </p:txBody>
-      </p:sp>
-      <p:sp>
-        <p:nvSpPr>
-          <p:cNvPr id="40" name="Down Arrow 39"/>
-          <p:cNvSpPr/>
-          <p:nvPr/>
-        </p:nvSpPr>
-        <p:spPr>
-          <a:xfrm>
-            <a:off x="1573133" y="1192210"/>
-            <a:ext cx="259773" cy="4513821"/>
+            <a:off x="5467201" y="5545843"/>
+            <a:ext cx="303282" cy="179587"/>
           </a:xfrm>
           <a:prstGeom prst="downArrow">
             <a:avLst/>
@@ -4556,14 +4527,14 @@
       </p:sp>
       <p:sp>
         <p:nvSpPr>
-          <p:cNvPr id="41" name="Down Arrow 40"/>
+          <p:cNvPr id="43" name="Down Arrow 42"/>
           <p:cNvSpPr/>
           <p:nvPr/>
         </p:nvSpPr>
         <p:spPr>
           <a:xfrm>
-            <a:off x="6126731" y="4953794"/>
-            <a:ext cx="277736" cy="273832"/>
+            <a:off x="6146968" y="6066946"/>
+            <a:ext cx="282934" cy="169074"/>
           </a:xfrm>
           <a:prstGeom prst="downArrow">
             <a:avLst/>
@@ -4596,14 +4567,14 @@
       </p:sp>
       <p:sp>
         <p:nvSpPr>
-          <p:cNvPr id="42" name="Down Arrow 41"/>
+          <p:cNvPr id="44" name="Down Arrow 43"/>
           <p:cNvSpPr/>
           <p:nvPr/>
         </p:nvSpPr>
         <p:spPr>
           <a:xfrm>
-            <a:off x="6136794" y="5527756"/>
-            <a:ext cx="303282" cy="185283"/>
+            <a:off x="9820548" y="1506687"/>
+            <a:ext cx="259774" cy="3030207"/>
           </a:xfrm>
           <a:prstGeom prst="downArrow">
             <a:avLst/>
@@ -4636,14 +4607,311 @@
       </p:sp>
       <p:sp>
         <p:nvSpPr>
-          <p:cNvPr id="43" name="Down Arrow 42"/>
+          <p:cNvPr id="2" name="Rounded Rectangle 1"/>
           <p:cNvSpPr/>
           <p:nvPr/>
         </p:nvSpPr>
         <p:spPr>
           <a:xfrm>
-            <a:off x="6146968" y="6066946"/>
-            <a:ext cx="282934" cy="169074"/>
+            <a:off x="10435632" y="6249142"/>
+            <a:ext cx="147378" cy="123493"/>
+          </a:xfrm>
+          <a:prstGeom prst="roundRect">
+            <a:avLst/>
+          </a:prstGeom>
+          <a:solidFill>
+            <a:schemeClr val="accent3"/>
+          </a:solidFill>
+          <a:ln>
+            <a:solidFill>
+              <a:schemeClr val="accent3"/>
+            </a:solidFill>
+          </a:ln>
+        </p:spPr>
+        <p:style>
+          <a:lnRef idx="2">
+            <a:schemeClr val="accent1">
+              <a:shade val="50000"/>
+            </a:schemeClr>
+          </a:lnRef>
+          <a:fillRef idx="1">
+            <a:schemeClr val="accent1"/>
+          </a:fillRef>
+          <a:effectRef idx="0">
+            <a:schemeClr val="accent1"/>
+          </a:effectRef>
+          <a:fontRef idx="minor">
+            <a:schemeClr val="lt1"/>
+          </a:fontRef>
+        </p:style>
+        <p:txBody>
+          <a:bodyPr rtlCol="0" anchor="ctr"/>
+          <a:lstStyle/>
+          <a:p>
+            <a:pPr algn="ctr"/>
+            <a:endParaRPr lang="en-US"/>
+          </a:p>
+        </p:txBody>
+      </p:sp>
+      <p:sp>
+        <p:nvSpPr>
+          <p:cNvPr id="15" name="TextBox 14"/>
+          <p:cNvSpPr txBox="1"/>
+          <p:nvPr/>
+        </p:nvSpPr>
+        <p:spPr>
+          <a:xfrm>
+            <a:off x="10639208" y="6149012"/>
+            <a:ext cx="1280837" cy="338554"/>
+          </a:xfrm>
+          <a:prstGeom prst="rect">
+            <a:avLst/>
+          </a:prstGeom>
+          <a:noFill/>
+        </p:spPr>
+        <p:txBody>
+          <a:bodyPr wrap="square" rtlCol="0">
+            <a:spAutoFit/>
+          </a:bodyPr>
+          <a:lstStyle/>
+          <a:p>
+            <a:r>
+              <a:rPr lang="en-US" sz="1600" dirty="0" smtClean="0"/>
+              <a:t>Techniques</a:t>
+            </a:r>
+            <a:endParaRPr lang="en-US" sz="1600" dirty="0"/>
+          </a:p>
+        </p:txBody>
+      </p:sp>
+      <p:sp>
+        <p:nvSpPr>
+          <p:cNvPr id="45" name="Rounded Rectangle 44"/>
+          <p:cNvSpPr/>
+          <p:nvPr/>
+        </p:nvSpPr>
+        <p:spPr>
+          <a:xfrm>
+            <a:off x="10435632" y="6537657"/>
+            <a:ext cx="147378" cy="118865"/>
+          </a:xfrm>
+          <a:prstGeom prst="roundRect">
+            <a:avLst/>
+          </a:prstGeom>
+          <a:solidFill>
+            <a:schemeClr val="accent1"/>
+          </a:solidFill>
+          <a:ln>
+            <a:solidFill>
+              <a:schemeClr val="accent1"/>
+            </a:solidFill>
+          </a:ln>
+        </p:spPr>
+        <p:style>
+          <a:lnRef idx="2">
+            <a:schemeClr val="accent1">
+              <a:shade val="50000"/>
+            </a:schemeClr>
+          </a:lnRef>
+          <a:fillRef idx="1">
+            <a:schemeClr val="accent1"/>
+          </a:fillRef>
+          <a:effectRef idx="0">
+            <a:schemeClr val="accent1"/>
+          </a:effectRef>
+          <a:fontRef idx="minor">
+            <a:schemeClr val="lt1"/>
+          </a:fontRef>
+        </p:style>
+        <p:txBody>
+          <a:bodyPr rtlCol="0" anchor="ctr"/>
+          <a:lstStyle/>
+          <a:p>
+            <a:pPr algn="ctr"/>
+            <a:endParaRPr lang="en-US"/>
+          </a:p>
+        </p:txBody>
+      </p:sp>
+      <p:sp>
+        <p:nvSpPr>
+          <p:cNvPr id="46" name="TextBox 45"/>
+          <p:cNvSpPr txBox="1"/>
+          <p:nvPr/>
+        </p:nvSpPr>
+        <p:spPr>
+          <a:xfrm>
+            <a:off x="10639208" y="6400901"/>
+            <a:ext cx="873131" cy="338554"/>
+          </a:xfrm>
+          <a:prstGeom prst="rect">
+            <a:avLst/>
+          </a:prstGeom>
+          <a:noFill/>
+        </p:spPr>
+        <p:txBody>
+          <a:bodyPr wrap="square" rtlCol="0">
+            <a:spAutoFit/>
+          </a:bodyPr>
+          <a:lstStyle/>
+          <a:p>
+            <a:r>
+              <a:rPr lang="en-US" sz="1600" dirty="0" smtClean="0"/>
+              <a:t>Data</a:t>
+            </a:r>
+            <a:endParaRPr lang="en-US" sz="1600" dirty="0"/>
+          </a:p>
+        </p:txBody>
+      </p:sp>
+      <p:sp>
+        <p:nvSpPr>
+          <p:cNvPr id="47" name="Bent-Up Arrow 46"/>
+          <p:cNvSpPr/>
+          <p:nvPr/>
+        </p:nvSpPr>
+        <p:spPr>
+          <a:xfrm rot="5400000">
+            <a:off x="4571299" y="1137486"/>
+            <a:ext cx="444476" cy="3243938"/>
+          </a:xfrm>
+          <a:prstGeom prst="bentUpArrow">
+            <a:avLst>
+              <a:gd name="adj1" fmla="val 25000"/>
+              <a:gd name="adj2" fmla="val 23146"/>
+              <a:gd name="adj3" fmla="val 32413"/>
+            </a:avLst>
+          </a:prstGeom>
+          <a:ln>
+            <a:solidFill>
+              <a:srgbClr val="0070C0"/>
+            </a:solidFill>
+          </a:ln>
+        </p:spPr>
+        <p:style>
+          <a:lnRef idx="2">
+            <a:schemeClr val="accent1">
+              <a:shade val="50000"/>
+            </a:schemeClr>
+          </a:lnRef>
+          <a:fillRef idx="1">
+            <a:schemeClr val="accent1"/>
+          </a:fillRef>
+          <a:effectRef idx="0">
+            <a:schemeClr val="accent1"/>
+          </a:effectRef>
+          <a:fontRef idx="minor">
+            <a:schemeClr val="lt1"/>
+          </a:fontRef>
+        </p:style>
+        <p:txBody>
+          <a:bodyPr rtlCol="0" anchor="ctr"/>
+          <a:lstStyle/>
+          <a:p>
+            <a:pPr algn="ctr"/>
+            <a:endParaRPr lang="en-US"/>
+          </a:p>
+        </p:txBody>
+      </p:sp>
+      <p:sp>
+        <p:nvSpPr>
+          <p:cNvPr id="50" name="Rounded Rectangle 49"/>
+          <p:cNvSpPr/>
+          <p:nvPr/>
+        </p:nvSpPr>
+        <p:spPr>
+          <a:xfrm>
+            <a:off x="8472371" y="4533258"/>
+            <a:ext cx="2432152" cy="382875"/>
+          </a:xfrm>
+          <a:prstGeom prst="roundRect">
+            <a:avLst/>
+          </a:prstGeom>
+        </p:spPr>
+        <p:style>
+          <a:lnRef idx="0">
+            <a:schemeClr val="accent3"/>
+          </a:lnRef>
+          <a:fillRef idx="3">
+            <a:schemeClr val="accent3"/>
+          </a:fillRef>
+          <a:effectRef idx="3">
+            <a:schemeClr val="accent3"/>
+          </a:effectRef>
+          <a:fontRef idx="minor">
+            <a:schemeClr val="lt1"/>
+          </a:fontRef>
+        </p:style>
+        <p:txBody>
+          <a:bodyPr rtlCol="0" anchor="ctr"/>
+          <a:lstStyle/>
+          <a:p>
+            <a:pPr algn="ctr"/>
+            <a:r>
+              <a:rPr lang="en-US" dirty="0" smtClean="0"/>
+              <a:t>Direct Lighting</a:t>
+            </a:r>
+            <a:endParaRPr lang="en-US" dirty="0"/>
+          </a:p>
+        </p:txBody>
+      </p:sp>
+      <p:sp>
+        <p:nvSpPr>
+          <p:cNvPr id="53" name="Rounded Rectangle 52"/>
+          <p:cNvSpPr/>
+          <p:nvPr/>
+        </p:nvSpPr>
+        <p:spPr>
+          <a:xfrm>
+            <a:off x="7760149" y="5209024"/>
+            <a:ext cx="2822861" cy="317420"/>
+          </a:xfrm>
+          <a:prstGeom prst="roundRect">
+            <a:avLst/>
+          </a:prstGeom>
+        </p:spPr>
+        <p:style>
+          <a:lnRef idx="0">
+            <a:schemeClr val="accent1"/>
+          </a:lnRef>
+          <a:fillRef idx="3">
+            <a:schemeClr val="accent1"/>
+          </a:fillRef>
+          <a:effectRef idx="3">
+            <a:schemeClr val="accent1"/>
+          </a:effectRef>
+          <a:fontRef idx="minor">
+            <a:schemeClr val="lt1"/>
+          </a:fontRef>
+        </p:style>
+        <p:txBody>
+          <a:bodyPr rtlCol="0" anchor="ctr"/>
+          <a:lstStyle/>
+          <a:p>
+            <a:pPr algn="ctr"/>
+            <a:r>
+              <a:rPr lang="en-US" dirty="0"/>
+              <a:t>D</a:t>
+            </a:r>
+            <a:r>
+              <a:rPr lang="en-US" dirty="0" smtClean="0"/>
+              <a:t>irect </a:t>
+            </a:r>
+            <a:r>
+              <a:rPr lang="en-US" dirty="0" smtClean="0"/>
+              <a:t>Illumination Buffer</a:t>
+            </a:r>
+            <a:endParaRPr lang="en-US" dirty="0"/>
+          </a:p>
+        </p:txBody>
+      </p:sp>
+      <p:sp>
+        <p:nvSpPr>
+          <p:cNvPr id="54" name="Down Arrow 53"/>
+          <p:cNvSpPr/>
+          <p:nvPr/>
+        </p:nvSpPr>
+        <p:spPr>
+          <a:xfrm>
+            <a:off x="9549579" y="4949850"/>
+            <a:ext cx="277736" cy="225255"/>
           </a:xfrm>
           <a:prstGeom prst="downArrow">
             <a:avLst/>
@@ -4676,14 +4944,14 @@
       </p:sp>
       <p:sp>
         <p:nvSpPr>
-          <p:cNvPr id="44" name="Down Arrow 43"/>
+          <p:cNvPr id="55" name="Down Arrow 54"/>
           <p:cNvSpPr/>
           <p:nvPr/>
         </p:nvSpPr>
         <p:spPr>
           <a:xfrm>
-            <a:off x="10509321" y="1495503"/>
-            <a:ext cx="259774" cy="4210528"/>
+            <a:off x="9032711" y="5534140"/>
+            <a:ext cx="277736" cy="171892"/>
           </a:xfrm>
           <a:prstGeom prst="downArrow">
             <a:avLst/>
@@ -4711,206 +4979,6 @@
           <a:p>
             <a:pPr algn="ctr"/>
             <a:endParaRPr lang="en-US"/>
-          </a:p>
-        </p:txBody>
-      </p:sp>
-      <p:sp>
-        <p:nvSpPr>
-          <p:cNvPr id="49" name="Curved Left Arrow 48"/>
-          <p:cNvSpPr/>
-          <p:nvPr/>
-        </p:nvSpPr>
-        <p:spPr>
-          <a:xfrm>
-            <a:off x="9846357" y="3241477"/>
-            <a:ext cx="561416" cy="1303518"/>
-          </a:xfrm>
-          <a:prstGeom prst="curvedLeftArrow">
-            <a:avLst/>
-          </a:prstGeom>
-        </p:spPr>
-        <p:style>
-          <a:lnRef idx="2">
-            <a:schemeClr val="accent5">
-              <a:shade val="50000"/>
-            </a:schemeClr>
-          </a:lnRef>
-          <a:fillRef idx="1">
-            <a:schemeClr val="accent5"/>
-          </a:fillRef>
-          <a:effectRef idx="0">
-            <a:schemeClr val="accent5"/>
-          </a:effectRef>
-          <a:fontRef idx="minor">
-            <a:schemeClr val="lt1"/>
-          </a:fontRef>
-        </p:style>
-        <p:txBody>
-          <a:bodyPr rtlCol="0" anchor="ctr"/>
-          <a:lstStyle/>
-          <a:p>
-            <a:pPr algn="ctr"/>
-            <a:endParaRPr lang="en-US">
-              <a:solidFill>
-                <a:schemeClr val="tx1"/>
-              </a:solidFill>
-            </a:endParaRPr>
-          </a:p>
-        </p:txBody>
-      </p:sp>
-      <p:sp>
-        <p:nvSpPr>
-          <p:cNvPr id="2" name="Rounded Rectangle 1"/>
-          <p:cNvSpPr/>
-          <p:nvPr/>
-        </p:nvSpPr>
-        <p:spPr>
-          <a:xfrm>
-            <a:off x="10435632" y="6249142"/>
-            <a:ext cx="147378" cy="123493"/>
-          </a:xfrm>
-          <a:prstGeom prst="roundRect">
-            <a:avLst/>
-          </a:prstGeom>
-          <a:solidFill>
-            <a:schemeClr val="accent3"/>
-          </a:solidFill>
-          <a:ln>
-            <a:solidFill>
-              <a:schemeClr val="accent3"/>
-            </a:solidFill>
-          </a:ln>
-        </p:spPr>
-        <p:style>
-          <a:lnRef idx="2">
-            <a:schemeClr val="accent1">
-              <a:shade val="50000"/>
-            </a:schemeClr>
-          </a:lnRef>
-          <a:fillRef idx="1">
-            <a:schemeClr val="accent1"/>
-          </a:fillRef>
-          <a:effectRef idx="0">
-            <a:schemeClr val="accent1"/>
-          </a:effectRef>
-          <a:fontRef idx="minor">
-            <a:schemeClr val="lt1"/>
-          </a:fontRef>
-        </p:style>
-        <p:txBody>
-          <a:bodyPr rtlCol="0" anchor="ctr"/>
-          <a:lstStyle/>
-          <a:p>
-            <a:pPr algn="ctr"/>
-            <a:endParaRPr lang="en-US"/>
-          </a:p>
-        </p:txBody>
-      </p:sp>
-      <p:sp>
-        <p:nvSpPr>
-          <p:cNvPr id="15" name="TextBox 14"/>
-          <p:cNvSpPr txBox="1"/>
-          <p:nvPr/>
-        </p:nvSpPr>
-        <p:spPr>
-          <a:xfrm>
-            <a:off x="10639208" y="6149012"/>
-            <a:ext cx="1280837" cy="338554"/>
-          </a:xfrm>
-          <a:prstGeom prst="rect">
-            <a:avLst/>
-          </a:prstGeom>
-          <a:noFill/>
-        </p:spPr>
-        <p:txBody>
-          <a:bodyPr wrap="square" rtlCol="0">
-            <a:spAutoFit/>
-          </a:bodyPr>
-          <a:lstStyle/>
-          <a:p>
-            <a:r>
-              <a:rPr lang="en-US" sz="1600" dirty="0" smtClean="0"/>
-              <a:t>Techniques</a:t>
-            </a:r>
-            <a:endParaRPr lang="en-US" sz="1600" dirty="0"/>
-          </a:p>
-        </p:txBody>
-      </p:sp>
-      <p:sp>
-        <p:nvSpPr>
-          <p:cNvPr id="45" name="Rounded Rectangle 44"/>
-          <p:cNvSpPr/>
-          <p:nvPr/>
-        </p:nvSpPr>
-        <p:spPr>
-          <a:xfrm>
-            <a:off x="10435632" y="6537657"/>
-            <a:ext cx="147378" cy="118865"/>
-          </a:xfrm>
-          <a:prstGeom prst="roundRect">
-            <a:avLst/>
-          </a:prstGeom>
-          <a:solidFill>
-            <a:schemeClr val="accent1"/>
-          </a:solidFill>
-          <a:ln>
-            <a:solidFill>
-              <a:schemeClr val="accent1"/>
-            </a:solidFill>
-          </a:ln>
-        </p:spPr>
-        <p:style>
-          <a:lnRef idx="2">
-            <a:schemeClr val="accent1">
-              <a:shade val="50000"/>
-            </a:schemeClr>
-          </a:lnRef>
-          <a:fillRef idx="1">
-            <a:schemeClr val="accent1"/>
-          </a:fillRef>
-          <a:effectRef idx="0">
-            <a:schemeClr val="accent1"/>
-          </a:effectRef>
-          <a:fontRef idx="minor">
-            <a:schemeClr val="lt1"/>
-          </a:fontRef>
-        </p:style>
-        <p:txBody>
-          <a:bodyPr rtlCol="0" anchor="ctr"/>
-          <a:lstStyle/>
-          <a:p>
-            <a:pPr algn="ctr"/>
-            <a:endParaRPr lang="en-US"/>
-          </a:p>
-        </p:txBody>
-      </p:sp>
-      <p:sp>
-        <p:nvSpPr>
-          <p:cNvPr id="46" name="TextBox 45"/>
-          <p:cNvSpPr txBox="1"/>
-          <p:nvPr/>
-        </p:nvSpPr>
-        <p:spPr>
-          <a:xfrm>
-            <a:off x="10639208" y="6400901"/>
-            <a:ext cx="873131" cy="338554"/>
-          </a:xfrm>
-          <a:prstGeom prst="rect">
-            <a:avLst/>
-          </a:prstGeom>
-          <a:noFill/>
-        </p:spPr>
-        <p:txBody>
-          <a:bodyPr wrap="square" rtlCol="0">
-            <a:spAutoFit/>
-          </a:bodyPr>
-          <a:lstStyle/>
-          <a:p>
-            <a:r>
-              <a:rPr lang="en-US" sz="1600" dirty="0" smtClean="0"/>
-              <a:t>Data</a:t>
-            </a:r>
-            <a:endParaRPr lang="en-US" sz="1600" dirty="0"/>
           </a:p>
         </p:txBody>
       </p:sp>
